--- a/清华简约主题-留边-16-9.pptx
+++ b/清华简约主题-留边-16-9.pptx
@@ -204,7 +204,7 @@
           <a:p>
             <a:fld id="{BDA51940-DB52-3B48-AABB-9C7938529E4E}" type="datetimeFigureOut">
               <a:rPr kumimoji="1" lang="zh-CN" altLang="en-US" smtClean="0"/>
-              <a:t>2020/6/12</a:t>
+              <a:t>2022/6/5</a:t>
             </a:fld>
             <a:endParaRPr kumimoji="1" lang="zh-CN" altLang="en-US"/>
           </a:p>
@@ -734,7 +734,7 @@
           <a:p>
             <a:fld id="{E4551058-E5DB-324A-A8E9-6D3BEF243C3B}" type="datetimeFigureOut">
               <a:rPr kumimoji="1" lang="zh-CN" altLang="en-US" smtClean="0"/>
-              <a:t>2020/6/12</a:t>
+              <a:t>2022/6/5</a:t>
             </a:fld>
             <a:endParaRPr kumimoji="1" lang="zh-CN" altLang="en-US"/>
           </a:p>
@@ -1258,7 +1258,7 @@
           <a:p>
             <a:fld id="{E4551058-E5DB-324A-A8E9-6D3BEF243C3B}" type="datetimeFigureOut">
               <a:rPr kumimoji="1" lang="zh-CN" altLang="en-US" smtClean="0"/>
-              <a:t>2020/6/12</a:t>
+              <a:t>2022/6/5</a:t>
             </a:fld>
             <a:endParaRPr kumimoji="1" lang="zh-CN" altLang="en-US"/>
           </a:p>
@@ -1507,7 +1507,7 @@
           <a:p>
             <a:fld id="{E4551058-E5DB-324A-A8E9-6D3BEF243C3B}" type="datetimeFigureOut">
               <a:rPr kumimoji="1" lang="zh-CN" altLang="en-US" smtClean="0"/>
-              <a:t>2020/6/12</a:t>
+              <a:t>2022/6/5</a:t>
             </a:fld>
             <a:endParaRPr kumimoji="1" lang="zh-CN" altLang="en-US"/>
           </a:p>
@@ -1676,8 +1676,8 @@
         </p:nvSpPr>
         <p:spPr>
           <a:xfrm>
-            <a:off x="8839201" y="675726"/>
-            <a:ext cx="2004164" cy="5183073"/>
+            <a:off x="8993673" y="675726"/>
+            <a:ext cx="1849692" cy="5183073"/>
           </a:xfrm>
           <a:prstGeom prst="rect">
             <a:avLst/>
@@ -1797,7 +1797,7 @@
           <a:p>
             <a:fld id="{E4551058-E5DB-324A-A8E9-6D3BEF243C3B}" type="datetimeFigureOut">
               <a:rPr kumimoji="1" lang="zh-CN" altLang="en-US" smtClean="0"/>
-              <a:t>2020/6/12</a:t>
+              <a:t>2022/6/5</a:t>
             </a:fld>
             <a:endParaRPr kumimoji="1" lang="zh-CN" altLang="en-US"/>
           </a:p>
@@ -2022,7 +2022,7 @@
           <a:p>
             <a:fld id="{E4551058-E5DB-324A-A8E9-6D3BEF243C3B}" type="datetimeFigureOut">
               <a:rPr kumimoji="1" lang="zh-CN" altLang="en-US" smtClean="0"/>
-              <a:t>2020/6/12</a:t>
+              <a:t>2022/6/5</a:t>
             </a:fld>
             <a:endParaRPr kumimoji="1" lang="zh-CN" altLang="en-US"/>
           </a:p>
@@ -2327,7 +2327,7 @@
           <a:p>
             <a:fld id="{E4551058-E5DB-324A-A8E9-6D3BEF243C3B}" type="datetimeFigureOut">
               <a:rPr kumimoji="1" lang="zh-CN" altLang="en-US" smtClean="0"/>
-              <a:t>2020/6/12</a:t>
+              <a:t>2022/6/5</a:t>
             </a:fld>
             <a:endParaRPr kumimoji="1" lang="zh-CN" altLang="en-US"/>
           </a:p>
@@ -2812,7 +2812,7 @@
           <a:p>
             <a:fld id="{E4551058-E5DB-324A-A8E9-6D3BEF243C3B}" type="datetimeFigureOut">
               <a:rPr kumimoji="1" lang="zh-CN" altLang="en-US" smtClean="0"/>
-              <a:t>2020/6/12</a:t>
+              <a:t>2022/6/5</a:t>
             </a:fld>
             <a:endParaRPr kumimoji="1" lang="zh-CN" altLang="en-US"/>
           </a:p>
@@ -3109,7 +3109,7 @@
           <a:p>
             <a:fld id="{E4551058-E5DB-324A-A8E9-6D3BEF243C3B}" type="datetimeFigureOut">
               <a:rPr kumimoji="1" lang="zh-CN" altLang="en-US" smtClean="0"/>
-              <a:t>2020/6/12</a:t>
+              <a:t>2022/6/5</a:t>
             </a:fld>
             <a:endParaRPr kumimoji="1" lang="zh-CN" altLang="en-US"/>
           </a:p>
@@ -3492,7 +3492,7 @@
           <a:p>
             <a:fld id="{E4551058-E5DB-324A-A8E9-6D3BEF243C3B}" type="datetimeFigureOut">
               <a:rPr kumimoji="1" lang="zh-CN" altLang="en-US" smtClean="0"/>
-              <a:t>2020/6/12</a:t>
+              <a:t>2022/6/5</a:t>
             </a:fld>
             <a:endParaRPr kumimoji="1" lang="zh-CN" altLang="en-US"/>
           </a:p>
@@ -3615,7 +3615,7 @@
           <a:p>
             <a:fld id="{E4551058-E5DB-324A-A8E9-6D3BEF243C3B}" type="datetimeFigureOut">
               <a:rPr kumimoji="1" lang="zh-CN" altLang="en-US" smtClean="0"/>
-              <a:t>2020/6/12</a:t>
+              <a:t>2022/6/5</a:t>
             </a:fld>
             <a:endParaRPr kumimoji="1" lang="zh-CN" altLang="en-US"/>
           </a:p>
@@ -3738,7 +3738,7 @@
           <a:p>
             <a:fld id="{E4551058-E5DB-324A-A8E9-6D3BEF243C3B}" type="datetimeFigureOut">
               <a:rPr kumimoji="1" lang="zh-CN" altLang="en-US" smtClean="0"/>
-              <a:t>2020/6/12</a:t>
+              <a:t>2022/6/5</a:t>
             </a:fld>
             <a:endParaRPr kumimoji="1" lang="zh-CN" altLang="en-US"/>
           </a:p>
@@ -4250,7 +4250,7 @@
           <a:p>
             <a:fld id="{E4551058-E5DB-324A-A8E9-6D3BEF243C3B}" type="datetimeFigureOut">
               <a:rPr kumimoji="1" lang="zh-CN" altLang="en-US" smtClean="0"/>
-              <a:t>2020/6/12</a:t>
+              <a:t>2022/6/5</a:t>
             </a:fld>
             <a:endParaRPr kumimoji="1" lang="zh-CN" altLang="en-US"/>
           </a:p>
@@ -4636,7 +4636,7 @@
           <a:p>
             <a:fld id="{E4551058-E5DB-324A-A8E9-6D3BEF243C3B}" type="datetimeFigureOut">
               <a:rPr kumimoji="1" lang="zh-CN" altLang="en-US" smtClean="0"/>
-              <a:t>2020/6/12</a:t>
+              <a:t>2022/6/5</a:t>
             </a:fld>
             <a:endParaRPr kumimoji="1" lang="zh-CN" altLang="en-US"/>
           </a:p>

--- a/清华简约主题-留边-16-9.pptx
+++ b/清华简约主题-留边-16-9.pptx
@@ -11,10 +11,10 @@
     <p:sldId id="256" r:id="rId2"/>
     <p:sldId id="258" r:id="rId3"/>
     <p:sldId id="260" r:id="rId4"/>
-    <p:sldId id="267" r:id="rId5"/>
-    <p:sldId id="265" r:id="rId6"/>
-    <p:sldId id="259" r:id="rId7"/>
-    <p:sldId id="261" r:id="rId8"/>
+    <p:sldId id="269" r:id="rId5"/>
+    <p:sldId id="271" r:id="rId6"/>
+    <p:sldId id="268" r:id="rId7"/>
+    <p:sldId id="272" r:id="rId8"/>
     <p:sldId id="264" r:id="rId9"/>
   </p:sldIdLst>
   <p:sldSz cx="12192000" cy="6858000"/>
@@ -204,7 +204,7 @@
           <a:p>
             <a:fld id="{BDA51940-DB52-3B48-AABB-9C7938529E4E}" type="datetimeFigureOut">
               <a:rPr kumimoji="1" lang="zh-CN" altLang="en-US" smtClean="0"/>
-              <a:t>2022/6/5</a:t>
+              <a:t>2022/6/9</a:t>
             </a:fld>
             <a:endParaRPr kumimoji="1" lang="zh-CN" altLang="en-US"/>
           </a:p>
@@ -471,90 +471,6 @@
 </p:notesMaster>
 </file>
 
-<file path=ppt/notesSlides/notesSlide1.xml><?xml version="1.0" encoding="utf-8"?>
-<p:notes xmlns:a="http://schemas.openxmlformats.org/drawingml/2006/main" xmlns:r="http://schemas.openxmlformats.org/officeDocument/2006/relationships" xmlns:p="http://schemas.openxmlformats.org/presentationml/2006/main">
-  <p:cSld>
-    <p:spTree>
-      <p:nvGrpSpPr>
-        <p:cNvPr id="1" name=""/>
-        <p:cNvGrpSpPr/>
-        <p:nvPr/>
-      </p:nvGrpSpPr>
-      <p:grpSpPr>
-        <a:xfrm>
-          <a:off x="0" y="0"/>
-          <a:ext cx="0" cy="0"/>
-          <a:chOff x="0" y="0"/>
-          <a:chExt cx="0" cy="0"/>
-        </a:xfrm>
-      </p:grpSpPr>
-      <p:sp>
-        <p:nvSpPr>
-          <p:cNvPr id="2" name="幻灯片图像占位符 1"/>
-          <p:cNvSpPr>
-            <a:spLocks noGrp="1" noRot="1" noChangeAspect="1"/>
-          </p:cNvSpPr>
-          <p:nvPr>
-            <p:ph type="sldImg"/>
-          </p:nvPr>
-        </p:nvSpPr>
-        <p:spPr/>
-      </p:sp>
-      <p:sp>
-        <p:nvSpPr>
-          <p:cNvPr id="3" name="备注占位符 2"/>
-          <p:cNvSpPr>
-            <a:spLocks noGrp="1"/>
-          </p:cNvSpPr>
-          <p:nvPr>
-            <p:ph type="body" idx="1"/>
-          </p:nvPr>
-        </p:nvSpPr>
-        <p:spPr/>
-        <p:txBody>
-          <a:bodyPr/>
-          <a:lstStyle/>
-          <a:p>
-            <a:endParaRPr kumimoji="1" lang="zh-CN" altLang="en-US" dirty="0"/>
-          </a:p>
-        </p:txBody>
-      </p:sp>
-      <p:sp>
-        <p:nvSpPr>
-          <p:cNvPr id="4" name="灯片编号占位符 3"/>
-          <p:cNvSpPr>
-            <a:spLocks noGrp="1"/>
-          </p:cNvSpPr>
-          <p:nvPr>
-            <p:ph type="sldNum" sz="quarter" idx="5"/>
-          </p:nvPr>
-        </p:nvSpPr>
-        <p:spPr/>
-        <p:txBody>
-          <a:bodyPr/>
-          <a:lstStyle/>
-          <a:p>
-            <a:fld id="{6D18717E-F74C-4246-A795-6577BEDC8382}" type="slidenum">
-              <a:rPr kumimoji="1" lang="zh-CN" altLang="en-US" smtClean="0"/>
-              <a:t>5</a:t>
-            </a:fld>
-            <a:endParaRPr kumimoji="1" lang="zh-CN" altLang="en-US"/>
-          </a:p>
-        </p:txBody>
-      </p:sp>
-    </p:spTree>
-    <p:extLst>
-      <p:ext uri="{BB962C8B-B14F-4D97-AF65-F5344CB8AC3E}">
-        <p14:creationId xmlns:p14="http://schemas.microsoft.com/office/powerpoint/2010/main" val="1931724750"/>
-      </p:ext>
-    </p:extLst>
-  </p:cSld>
-  <p:clrMapOvr>
-    <a:masterClrMapping/>
-  </p:clrMapOvr>
-</p:notes>
-</file>
-
 <file path=ppt/slideLayouts/slideLayout1.xml><?xml version="1.0" encoding="utf-8"?>
 <p:sldLayout xmlns:a="http://schemas.openxmlformats.org/drawingml/2006/main" xmlns:r="http://schemas.openxmlformats.org/officeDocument/2006/relationships" xmlns:p="http://schemas.openxmlformats.org/presentationml/2006/main" showMasterSp="0" preserve="1" userDrawn="1">
   <p:cSld name="标题幻灯片">
@@ -703,165 +619,6 @@
       </p:sp>
       <p:sp>
         <p:nvSpPr>
-          <p:cNvPr id="4" name="Date Placeholder 3"/>
-          <p:cNvSpPr>
-            <a:spLocks noGrp="1"/>
-          </p:cNvSpPr>
-          <p:nvPr>
-            <p:ph type="dt" sz="half" idx="10"/>
-          </p:nvPr>
-        </p:nvSpPr>
-        <p:spPr>
-          <a:xfrm>
-            <a:off x="7605951" y="5956139"/>
-            <a:ext cx="2844800" cy="365125"/>
-          </a:xfrm>
-        </p:spPr>
-        <p:txBody>
-          <a:bodyPr/>
-          <a:lstStyle>
-            <a:lvl1pPr>
-              <a:defRPr>
-                <a:solidFill>
-                  <a:schemeClr val="accent1">
-                    <a:lumMod val="75000"/>
-                    <a:lumOff val="25000"/>
-                  </a:schemeClr>
-                </a:solidFill>
-              </a:defRPr>
-            </a:lvl1pPr>
-          </a:lstStyle>
-          <a:p>
-            <a:fld id="{E4551058-E5DB-324A-A8E9-6D3BEF243C3B}" type="datetimeFigureOut">
-              <a:rPr kumimoji="1" lang="zh-CN" altLang="en-US" smtClean="0"/>
-              <a:t>2022/6/5</a:t>
-            </a:fld>
-            <a:endParaRPr kumimoji="1" lang="zh-CN" altLang="en-US"/>
-          </a:p>
-        </p:txBody>
-      </p:sp>
-      <p:sp>
-        <p:nvSpPr>
-          <p:cNvPr id="5" name="Footer Placeholder 4"/>
-          <p:cNvSpPr>
-            <a:spLocks noGrp="1"/>
-          </p:cNvSpPr>
-          <p:nvPr>
-            <p:ph type="ftr" sz="quarter" idx="11"/>
-          </p:nvPr>
-        </p:nvSpPr>
-        <p:spPr>
-          <a:xfrm>
-            <a:off x="581192" y="5951813"/>
-            <a:ext cx="6917211" cy="365125"/>
-          </a:xfrm>
-        </p:spPr>
-        <p:txBody>
-          <a:bodyPr/>
-          <a:lstStyle>
-            <a:lvl1pPr>
-              <a:defRPr>
-                <a:solidFill>
-                  <a:schemeClr val="accent1">
-                    <a:lumMod val="75000"/>
-                    <a:lumOff val="25000"/>
-                  </a:schemeClr>
-                </a:solidFill>
-              </a:defRPr>
-            </a:lvl1pPr>
-          </a:lstStyle>
-          <a:p>
-            <a:endParaRPr kumimoji="1" lang="zh-CN" altLang="en-US"/>
-          </a:p>
-        </p:txBody>
-      </p:sp>
-      <p:sp>
-        <p:nvSpPr>
-          <p:cNvPr id="6" name="Slide Number Placeholder 5"/>
-          <p:cNvSpPr>
-            <a:spLocks noGrp="1"/>
-          </p:cNvSpPr>
-          <p:nvPr>
-            <p:ph type="sldNum" sz="quarter" idx="12"/>
-          </p:nvPr>
-        </p:nvSpPr>
-        <p:spPr>
-          <a:xfrm>
-            <a:off x="10558300" y="5956139"/>
-            <a:ext cx="1016440" cy="365125"/>
-          </a:xfrm>
-        </p:spPr>
-        <p:txBody>
-          <a:bodyPr/>
-          <a:lstStyle>
-            <a:lvl1pPr>
-              <a:defRPr>
-                <a:solidFill>
-                  <a:schemeClr val="accent1">
-                    <a:lumMod val="75000"/>
-                    <a:lumOff val="25000"/>
-                  </a:schemeClr>
-                </a:solidFill>
-              </a:defRPr>
-            </a:lvl1pPr>
-          </a:lstStyle>
-          <a:p>
-            <a:fld id="{977BA8E6-E826-B147-AA17-E3D76A29629C}" type="slidenum">
-              <a:rPr kumimoji="1" lang="zh-CN" altLang="en-US" smtClean="0"/>
-              <a:t>‹#›</a:t>
-            </a:fld>
-            <a:endParaRPr kumimoji="1" lang="zh-CN" altLang="en-US"/>
-          </a:p>
-        </p:txBody>
-      </p:sp>
-      <p:pic>
-        <p:nvPicPr>
-          <p:cNvPr id="8" name="图片 7">
-            <a:extLst>
-              <a:ext uri="{FF2B5EF4-FFF2-40B4-BE49-F238E27FC236}">
-                <a16:creationId xmlns:a16="http://schemas.microsoft.com/office/drawing/2014/main" id="{194A483F-9AA2-A24C-BA23-AD5256267A43}"/>
-              </a:ext>
-            </a:extLst>
-          </p:cNvPr>
-          <p:cNvPicPr>
-            <a:picLocks noChangeAspect="1"/>
-          </p:cNvPicPr>
-          <p:nvPr userDrawn="1"/>
-        </p:nvPicPr>
-        <p:blipFill>
-          <a:blip r:embed="rId2" cstate="print">
-            <a:clrChange>
-              <a:clrFrom>
-                <a:srgbClr val="FFFFFF"/>
-              </a:clrFrom>
-              <a:clrTo>
-                <a:srgbClr val="FFFFFF">
-                  <a:alpha val="0"/>
-                </a:srgbClr>
-              </a:clrTo>
-            </a:clrChange>
-            <a:extLst>
-              <a:ext uri="{28A0092B-C50C-407E-A947-70E740481C1C}">
-                <a14:useLocalDpi xmlns:a14="http://schemas.microsoft.com/office/drawing/2010/main" val="0"/>
-              </a:ext>
-            </a:extLst>
-          </a:blip>
-          <a:stretch>
-            <a:fillRect/>
-          </a:stretch>
-        </p:blipFill>
-        <p:spPr>
-          <a:xfrm>
-            <a:off x="359043" y="246213"/>
-            <a:ext cx="2538904" cy="1074418"/>
-          </a:xfrm>
-          <a:prstGeom prst="rect">
-            <a:avLst/>
-          </a:prstGeom>
-        </p:spPr>
-      </p:pic>
-      <p:sp>
-        <p:nvSpPr>
           <p:cNvPr id="12" name="Title 1">
             <a:extLst>
               <a:ext uri="{FF2B5EF4-FFF2-40B4-BE49-F238E27FC236}">
@@ -892,7 +649,7 @@
           </a:bodyPr>
           <a:lstStyle>
             <a:lvl1pPr algn="ctr">
-              <a:defRPr lang="en-US" altLang="en-US" sz="3600" b="0" kern="1200" cap="all" dirty="0">
+              <a:defRPr lang="en-US" altLang="en-US" sz="3600" b="0" kern="1200" cap="none" baseline="0" dirty="0">
                 <a:solidFill>
                   <a:schemeClr val="bg1"/>
                 </a:solidFill>
@@ -940,9 +697,9 @@
           <a:lstStyle>
             <a:lvl1pPr marL="0" indent="0" algn="ctr">
               <a:buNone/>
-              <a:defRPr sz="2000" cap="all">
+              <a:defRPr sz="2000" cap="none" baseline="0">
                 <a:solidFill>
-                  <a:schemeClr val="accent2"/>
+                  <a:srgbClr val="660874"/>
                 </a:solidFill>
               </a:defRPr>
             </a:lvl1pPr>
@@ -1036,6 +793,134 @@
           </a:p>
         </p:txBody>
       </p:sp>
+      <p:sp>
+        <p:nvSpPr>
+          <p:cNvPr id="14" name="Date Placeholder 3">
+            <a:extLst>
+              <a:ext uri="{FF2B5EF4-FFF2-40B4-BE49-F238E27FC236}">
+                <a16:creationId xmlns:a16="http://schemas.microsoft.com/office/drawing/2014/main" id="{27C9BA39-4396-944E-8847-8AA1FB4D7EF5}"/>
+              </a:ext>
+            </a:extLst>
+          </p:cNvPr>
+          <p:cNvSpPr>
+            <a:spLocks noGrp="1"/>
+          </p:cNvSpPr>
+          <p:nvPr>
+            <p:ph type="dt" sz="half" idx="10"/>
+          </p:nvPr>
+        </p:nvSpPr>
+        <p:spPr>
+          <a:xfrm>
+            <a:off x="7605953" y="5956139"/>
+            <a:ext cx="2844799" cy="365125"/>
+          </a:xfrm>
+        </p:spPr>
+        <p:txBody>
+          <a:bodyPr/>
+          <a:lstStyle/>
+          <a:p>
+            <a:fld id="{E4551058-E5DB-324A-A8E9-6D3BEF243C3B}" type="datetimeFigureOut">
+              <a:rPr kumimoji="1" lang="zh-CN" altLang="en-US" smtClean="0"/>
+              <a:t>2022/6/9</a:t>
+            </a:fld>
+            <a:endParaRPr kumimoji="1" lang="zh-CN" altLang="en-US"/>
+          </a:p>
+        </p:txBody>
+      </p:sp>
+      <p:sp>
+        <p:nvSpPr>
+          <p:cNvPr id="15" name="Footer Placeholder 4">
+            <a:extLst>
+              <a:ext uri="{FF2B5EF4-FFF2-40B4-BE49-F238E27FC236}">
+                <a16:creationId xmlns:a16="http://schemas.microsoft.com/office/drawing/2014/main" id="{2046AEFE-93F1-C842-BBEF-EA6F5A8D976C}"/>
+              </a:ext>
+            </a:extLst>
+          </p:cNvPr>
+          <p:cNvSpPr>
+            <a:spLocks noGrp="1"/>
+          </p:cNvSpPr>
+          <p:nvPr>
+            <p:ph type="ftr" sz="quarter" idx="11"/>
+          </p:nvPr>
+        </p:nvSpPr>
+        <p:spPr>
+          <a:xfrm>
+            <a:off x="581192" y="5951813"/>
+            <a:ext cx="6917211" cy="365125"/>
+          </a:xfrm>
+        </p:spPr>
+        <p:txBody>
+          <a:bodyPr/>
+          <a:lstStyle/>
+          <a:p>
+            <a:endParaRPr kumimoji="1" lang="zh-CN" altLang="en-US"/>
+          </a:p>
+        </p:txBody>
+      </p:sp>
+      <p:sp>
+        <p:nvSpPr>
+          <p:cNvPr id="16" name="Slide Number Placeholder 5">
+            <a:extLst>
+              <a:ext uri="{FF2B5EF4-FFF2-40B4-BE49-F238E27FC236}">
+                <a16:creationId xmlns:a16="http://schemas.microsoft.com/office/drawing/2014/main" id="{DC680849-96D9-DD4B-8BEC-6C1105997248}"/>
+              </a:ext>
+            </a:extLst>
+          </p:cNvPr>
+          <p:cNvSpPr>
+            <a:spLocks noGrp="1"/>
+          </p:cNvSpPr>
+          <p:nvPr>
+            <p:ph type="sldNum" sz="quarter" idx="12"/>
+          </p:nvPr>
+        </p:nvSpPr>
+        <p:spPr>
+          <a:xfrm>
+            <a:off x="10558301" y="5956139"/>
+            <a:ext cx="1052508" cy="365125"/>
+          </a:xfrm>
+        </p:spPr>
+        <p:txBody>
+          <a:bodyPr/>
+          <a:lstStyle/>
+          <a:p>
+            <a:fld id="{977BA8E6-E826-B147-AA17-E3D76A29629C}" type="slidenum">
+              <a:rPr kumimoji="1" lang="zh-CN" altLang="en-US" smtClean="0"/>
+              <a:t>‹#›</a:t>
+            </a:fld>
+            <a:endParaRPr kumimoji="1" lang="zh-CN" altLang="en-US"/>
+          </a:p>
+        </p:txBody>
+      </p:sp>
+      <p:pic>
+        <p:nvPicPr>
+          <p:cNvPr id="3" name="图片 2">
+            <a:extLst>
+              <a:ext uri="{FF2B5EF4-FFF2-40B4-BE49-F238E27FC236}">
+                <a16:creationId xmlns:a16="http://schemas.microsoft.com/office/drawing/2014/main" id="{228E0E76-103F-614C-9971-08354F663532}"/>
+              </a:ext>
+            </a:extLst>
+          </p:cNvPr>
+          <p:cNvPicPr>
+            <a:picLocks noChangeAspect="1"/>
+          </p:cNvPicPr>
+          <p:nvPr userDrawn="1"/>
+        </p:nvPicPr>
+        <p:blipFill>
+          <a:blip r:embed="rId2"/>
+          <a:stretch>
+            <a:fillRect/>
+          </a:stretch>
+        </p:blipFill>
+        <p:spPr>
+          <a:xfrm>
+            <a:off x="378177" y="293654"/>
+            <a:ext cx="2889452" cy="1137659"/>
+          </a:xfrm>
+          <a:prstGeom prst="rect">
+            <a:avLst/>
+          </a:prstGeom>
+        </p:spPr>
+      </p:pic>
     </p:spTree>
     <p:extLst>
       <p:ext uri="{BB962C8B-B14F-4D97-AF65-F5344CB8AC3E}">
@@ -1100,7 +985,7 @@
           </a:lstStyle>
           <a:p>
             <a:r>
-              <a:rPr lang="zh-CN" altLang="en-US"/>
+              <a:rPr lang="zh-CN" altLang="en-US" dirty="0"/>
               <a:t>单击此处编辑母版标题样式</a:t>
             </a:r>
             <a:endParaRPr lang="en-US" dirty="0"/>
@@ -1235,7 +1120,7 @@
           <a:p>
             <a:pPr lvl="0"/>
             <a:r>
-              <a:rPr lang="zh-CN" altLang="en-US"/>
+              <a:rPr lang="zh-CN" altLang="en-US" dirty="0"/>
               <a:t>单击此处编辑母版文本样式</a:t>
             </a:r>
           </a:p>
@@ -1258,7 +1143,7 @@
           <a:p>
             <a:fld id="{E4551058-E5DB-324A-A8E9-6D3BEF243C3B}" type="datetimeFigureOut">
               <a:rPr kumimoji="1" lang="zh-CN" altLang="en-US" smtClean="0"/>
-              <a:t>2022/6/5</a:t>
+              <a:t>2022/6/9</a:t>
             </a:fld>
             <a:endParaRPr kumimoji="1" lang="zh-CN" altLang="en-US"/>
           </a:p>
@@ -1507,7 +1392,7 @@
           <a:p>
             <a:fld id="{E4551058-E5DB-324A-A8E9-6D3BEF243C3B}" type="datetimeFigureOut">
               <a:rPr kumimoji="1" lang="zh-CN" altLang="en-US" smtClean="0"/>
-              <a:t>2022/6/5</a:t>
+              <a:t>2022/6/9</a:t>
             </a:fld>
             <a:endParaRPr kumimoji="1" lang="zh-CN" altLang="en-US"/>
           </a:p>
@@ -1660,43 +1545,6 @@
       </p:sp>
       <p:sp>
         <p:nvSpPr>
-          <p:cNvPr id="11" name="Vertical Title 1">
-            <a:extLst>
-              <a:ext uri="{FF2B5EF4-FFF2-40B4-BE49-F238E27FC236}">
-                <a16:creationId xmlns:a16="http://schemas.microsoft.com/office/drawing/2014/main" id="{9D3F700B-2D07-A448-9622-360F28D96C56}"/>
-              </a:ext>
-            </a:extLst>
-          </p:cNvPr>
-          <p:cNvSpPr>
-            <a:spLocks noGrp="1"/>
-          </p:cNvSpPr>
-          <p:nvPr>
-            <p:ph type="title" orient="vert"/>
-          </p:nvPr>
-        </p:nvSpPr>
-        <p:spPr>
-          <a:xfrm>
-            <a:off x="8993673" y="675726"/>
-            <a:ext cx="1849692" cy="5183073"/>
-          </a:xfrm>
-          <a:prstGeom prst="rect">
-            <a:avLst/>
-          </a:prstGeom>
-        </p:spPr>
-        <p:txBody>
-          <a:bodyPr vert="eaVert" anchor="b"/>
-          <a:lstStyle/>
-          <a:p>
-            <a:r>
-              <a:rPr lang="zh-CN" altLang="en-US" dirty="0"/>
-              <a:t>单击此处编辑母版标题样式</a:t>
-            </a:r>
-            <a:endParaRPr lang="en-US" dirty="0"/>
-          </a:p>
-        </p:txBody>
-      </p:sp>
-      <p:sp>
-        <p:nvSpPr>
           <p:cNvPr id="12" name="Vertical Text Placeholder 2">
             <a:extLst>
               <a:ext uri="{FF2B5EF4-FFF2-40B4-BE49-F238E27FC236}">
@@ -1797,7 +1645,7 @@
           <a:p>
             <a:fld id="{E4551058-E5DB-324A-A8E9-6D3BEF243C3B}" type="datetimeFigureOut">
               <a:rPr kumimoji="1" lang="zh-CN" altLang="en-US" smtClean="0"/>
-              <a:t>2022/6/5</a:t>
+              <a:t>2022/6/9</a:t>
             </a:fld>
             <a:endParaRPr kumimoji="1" lang="zh-CN" altLang="en-US"/>
           </a:p>
@@ -1880,10 +1728,10 @@
       </p:sp>
       <p:pic>
         <p:nvPicPr>
-          <p:cNvPr id="16" name="图片 15">
-            <a:extLst>
-              <a:ext uri="{FF2B5EF4-FFF2-40B4-BE49-F238E27FC236}">
-                <a16:creationId xmlns:a16="http://schemas.microsoft.com/office/drawing/2014/main" id="{CAA848F8-630D-E443-AA17-338684B167C3}"/>
+          <p:cNvPr id="9" name="图片 8">
+            <a:extLst>
+              <a:ext uri="{FF2B5EF4-FFF2-40B4-BE49-F238E27FC236}">
+                <a16:creationId xmlns:a16="http://schemas.microsoft.com/office/drawing/2014/main" id="{B1084C39-6DF4-7241-B04A-86A43726B0F4}"/>
               </a:ext>
             </a:extLst>
           </p:cNvPr>
@@ -1893,31 +1741,58 @@
           <p:nvPr userDrawn="1"/>
         </p:nvPicPr>
         <p:blipFill>
-          <a:blip r:embed="rId2">
-            <a:duotone>
-              <a:schemeClr val="bg2">
-                <a:shade val="45000"/>
-                <a:satMod val="135000"/>
-              </a:schemeClr>
-              <a:prstClr val="white"/>
-            </a:duotone>
-            <a:alphaModFix/>
-            <a:lum bright="100000"/>
-          </a:blip>
+          <a:blip r:embed="rId2"/>
           <a:stretch>
             <a:fillRect/>
           </a:stretch>
         </p:blipFill>
         <p:spPr>
           <a:xfrm>
-            <a:off x="10741520" y="759097"/>
-            <a:ext cx="835423" cy="835423"/>
+            <a:off x="10642879" y="687101"/>
+            <a:ext cx="1015763" cy="1019553"/>
           </a:xfrm>
           <a:prstGeom prst="rect">
             <a:avLst/>
           </a:prstGeom>
         </p:spPr>
       </p:pic>
+      <p:sp>
+        <p:nvSpPr>
+          <p:cNvPr id="11" name="Vertical Title 1">
+            <a:extLst>
+              <a:ext uri="{FF2B5EF4-FFF2-40B4-BE49-F238E27FC236}">
+                <a16:creationId xmlns:a16="http://schemas.microsoft.com/office/drawing/2014/main" id="{9D3F700B-2D07-A448-9622-360F28D96C56}"/>
+              </a:ext>
+            </a:extLst>
+          </p:cNvPr>
+          <p:cNvSpPr>
+            <a:spLocks noGrp="1"/>
+          </p:cNvSpPr>
+          <p:nvPr>
+            <p:ph type="title" orient="vert"/>
+          </p:nvPr>
+        </p:nvSpPr>
+        <p:spPr>
+          <a:xfrm>
+            <a:off x="8993673" y="675726"/>
+            <a:ext cx="1849692" cy="5183073"/>
+          </a:xfrm>
+          <a:prstGeom prst="rect">
+            <a:avLst/>
+          </a:prstGeom>
+        </p:spPr>
+        <p:txBody>
+          <a:bodyPr vert="eaVert" anchor="b"/>
+          <a:lstStyle/>
+          <a:p>
+            <a:r>
+              <a:rPr lang="zh-CN" altLang="en-US" dirty="0"/>
+              <a:t>单击此处编辑母版标题样式</a:t>
+            </a:r>
+            <a:endParaRPr lang="en-US" dirty="0"/>
+          </a:p>
+        </p:txBody>
+      </p:sp>
     </p:spTree>
     <p:extLst>
       <p:ext uri="{BB962C8B-B14F-4D97-AF65-F5344CB8AC3E}">
@@ -2022,7 +1897,7 @@
           <a:p>
             <a:fld id="{E4551058-E5DB-324A-A8E9-6D3BEF243C3B}" type="datetimeFigureOut">
               <a:rPr kumimoji="1" lang="zh-CN" altLang="en-US" smtClean="0"/>
-              <a:t>2022/6/5</a:t>
+              <a:t>2022/6/9</a:t>
             </a:fld>
             <a:endParaRPr kumimoji="1" lang="zh-CN" altLang="en-US"/>
           </a:p>
@@ -2097,7 +1972,7 @@
           <a:lstStyle/>
           <a:p>
             <a:r>
-              <a:rPr kumimoji="1" lang="zh-CN" altLang="en-US"/>
+              <a:rPr kumimoji="1" lang="zh-CN" altLang="en-US" dirty="0"/>
               <a:t>单击此处编辑母版标题样式</a:t>
             </a:r>
           </a:p>
@@ -2178,46 +2053,6 @@
           </a:fontRef>
         </p:style>
       </p:sp>
-      <p:pic>
-        <p:nvPicPr>
-          <p:cNvPr id="14" name="图片 13">
-            <a:extLst>
-              <a:ext uri="{FF2B5EF4-FFF2-40B4-BE49-F238E27FC236}">
-                <a16:creationId xmlns:a16="http://schemas.microsoft.com/office/drawing/2014/main" id="{92DDD330-FA82-EF43-849A-7ADBF95B7584}"/>
-              </a:ext>
-            </a:extLst>
-          </p:cNvPr>
-          <p:cNvPicPr>
-            <a:picLocks noChangeAspect="1"/>
-          </p:cNvPicPr>
-          <p:nvPr userDrawn="1"/>
-        </p:nvPicPr>
-        <p:blipFill>
-          <a:blip r:embed="rId2">
-            <a:duotone>
-              <a:schemeClr val="bg2">
-                <a:shade val="45000"/>
-                <a:satMod val="135000"/>
-              </a:schemeClr>
-              <a:prstClr val="white"/>
-            </a:duotone>
-            <a:alphaModFix/>
-            <a:lum bright="100000"/>
-          </a:blip>
-          <a:stretch>
-            <a:fillRect/>
-          </a:stretch>
-        </p:blipFill>
-        <p:spPr>
-          <a:xfrm>
-            <a:off x="714158" y="759097"/>
-            <a:ext cx="835423" cy="835423"/>
-          </a:xfrm>
-          <a:prstGeom prst="rect">
-            <a:avLst/>
-          </a:prstGeom>
-        </p:spPr>
-      </p:pic>
       <p:sp>
         <p:nvSpPr>
           <p:cNvPr id="11" name="Content Placeholder 2">
@@ -2327,7 +2162,7 @@
           <a:p>
             <a:fld id="{E4551058-E5DB-324A-A8E9-6D3BEF243C3B}" type="datetimeFigureOut">
               <a:rPr kumimoji="1" lang="zh-CN" altLang="en-US" smtClean="0"/>
-              <a:t>2022/6/5</a:t>
+              <a:t>2022/6/9</a:t>
             </a:fld>
             <a:endParaRPr kumimoji="1" lang="zh-CN" altLang="en-US"/>
           </a:p>
@@ -2497,8 +2332,8 @@
         </p:nvSpPr>
         <p:spPr>
           <a:xfrm rot="5400000">
-            <a:off x="1598806" y="2538272"/>
-            <a:ext cx="3960000" cy="72000"/>
+            <a:off x="1601532" y="2540998"/>
+            <a:ext cx="3954547" cy="71999"/>
           </a:xfrm>
           <a:prstGeom prst="rect">
             <a:avLst/>
@@ -2526,6 +2361,36 @@
           </a:fontRef>
         </p:style>
       </p:sp>
+      <p:pic>
+        <p:nvPicPr>
+          <p:cNvPr id="19" name="图片 18">
+            <a:extLst>
+              <a:ext uri="{FF2B5EF4-FFF2-40B4-BE49-F238E27FC236}">
+                <a16:creationId xmlns:a16="http://schemas.microsoft.com/office/drawing/2014/main" id="{A55AB928-FD5F-284E-A537-D442BF41502C}"/>
+              </a:ext>
+            </a:extLst>
+          </p:cNvPr>
+          <p:cNvPicPr>
+            <a:picLocks noChangeAspect="1"/>
+          </p:cNvPicPr>
+          <p:nvPr userDrawn="1"/>
+        </p:nvPicPr>
+        <p:blipFill>
+          <a:blip r:embed="rId2"/>
+          <a:stretch>
+            <a:fillRect/>
+          </a:stretch>
+        </p:blipFill>
+        <p:spPr>
+          <a:xfrm>
+            <a:off x="643332" y="678616"/>
+            <a:ext cx="1015763" cy="1019553"/>
+          </a:xfrm>
+          <a:prstGeom prst="rect">
+            <a:avLst/>
+          </a:prstGeom>
+        </p:spPr>
+      </p:pic>
     </p:spTree>
     <p:extLst>
       <p:ext uri="{BB962C8B-B14F-4D97-AF65-F5344CB8AC3E}">
@@ -2601,6 +2466,36 @@
           </a:fontRef>
         </p:style>
       </p:sp>
+      <p:pic>
+        <p:nvPicPr>
+          <p:cNvPr id="9" name="图片 8">
+            <a:extLst>
+              <a:ext uri="{FF2B5EF4-FFF2-40B4-BE49-F238E27FC236}">
+                <a16:creationId xmlns:a16="http://schemas.microsoft.com/office/drawing/2014/main" id="{2877B1D8-453C-0B4B-B0BA-8AC0FA47C99A}"/>
+              </a:ext>
+            </a:extLst>
+          </p:cNvPr>
+          <p:cNvPicPr>
+            <a:picLocks noChangeAspect="1"/>
+          </p:cNvPicPr>
+          <p:nvPr userDrawn="1"/>
+        </p:nvPicPr>
+        <p:blipFill>
+          <a:blip r:embed="rId2"/>
+          <a:stretch>
+            <a:fillRect/>
+          </a:stretch>
+        </p:blipFill>
+        <p:spPr>
+          <a:xfrm>
+            <a:off x="10632535" y="5261609"/>
+            <a:ext cx="1015763" cy="1019553"/>
+          </a:xfrm>
+          <a:prstGeom prst="rect">
+            <a:avLst/>
+          </a:prstGeom>
+        </p:spPr>
+      </p:pic>
       <p:sp>
         <p:nvSpPr>
           <p:cNvPr id="17" name="Title 1">
@@ -2632,7 +2527,7 @@
           </a:bodyPr>
           <a:lstStyle>
             <a:lvl1pPr algn="l">
-              <a:defRPr sz="3600" b="0" cap="all">
+              <a:defRPr sz="3600" b="0" cap="none" baseline="0">
                 <a:solidFill>
                   <a:schemeClr val="accent1"/>
                 </a:solidFill>
@@ -2641,7 +2536,7 @@
           </a:lstStyle>
           <a:p>
             <a:r>
-              <a:rPr lang="zh-CN" altLang="en-US"/>
+              <a:rPr lang="zh-CN" altLang="en-US" dirty="0"/>
               <a:t>单击此处编辑母版标题样式</a:t>
             </a:r>
             <a:endParaRPr lang="en-US" dirty="0"/>
@@ -2677,7 +2572,7 @@
           <a:lstStyle>
             <a:lvl1pPr marL="0" indent="0" algn="l">
               <a:buNone/>
-              <a:defRPr sz="1800" cap="all">
+              <a:defRPr sz="1800" cap="none" baseline="0">
                 <a:solidFill>
                   <a:schemeClr val="accent2"/>
                 </a:solidFill>
@@ -2767,7 +2662,7 @@
           <a:p>
             <a:pPr lvl="0"/>
             <a:r>
-              <a:rPr lang="zh-CN" altLang="en-US"/>
+              <a:rPr lang="zh-CN" altLang="en-US" dirty="0"/>
               <a:t>单击此处编辑母版文本样式</a:t>
             </a:r>
           </a:p>
@@ -2812,7 +2707,7 @@
           <a:p>
             <a:fld id="{E4551058-E5DB-324A-A8E9-6D3BEF243C3B}" type="datetimeFigureOut">
               <a:rPr kumimoji="1" lang="zh-CN" altLang="en-US" smtClean="0"/>
-              <a:t>2022/6/5</a:t>
+              <a:t>2022/6/9</a:t>
             </a:fld>
             <a:endParaRPr kumimoji="1" lang="zh-CN" altLang="en-US"/>
           </a:p>
@@ -2904,46 +2799,6 @@
           </a:p>
         </p:txBody>
       </p:sp>
-      <p:pic>
-        <p:nvPicPr>
-          <p:cNvPr id="22" name="图片 21">
-            <a:extLst>
-              <a:ext uri="{FF2B5EF4-FFF2-40B4-BE49-F238E27FC236}">
-                <a16:creationId xmlns:a16="http://schemas.microsoft.com/office/drawing/2014/main" id="{D4B7B0FB-2B7D-854A-BFC8-CA2B184B6C56}"/>
-              </a:ext>
-            </a:extLst>
-          </p:cNvPr>
-          <p:cNvPicPr>
-            <a:picLocks noChangeAspect="1"/>
-          </p:cNvPicPr>
-          <p:nvPr userDrawn="1"/>
-        </p:nvPicPr>
-        <p:blipFill>
-          <a:blip r:embed="rId2">
-            <a:duotone>
-              <a:schemeClr val="bg2">
-                <a:shade val="45000"/>
-                <a:satMod val="135000"/>
-              </a:schemeClr>
-              <a:prstClr val="white"/>
-            </a:duotone>
-            <a:alphaModFix/>
-            <a:lum bright="100000"/>
-          </a:blip>
-          <a:stretch>
-            <a:fillRect/>
-          </a:stretch>
-        </p:blipFill>
-        <p:spPr>
-          <a:xfrm>
-            <a:off x="10666843" y="5353675"/>
-            <a:ext cx="835423" cy="835423"/>
-          </a:xfrm>
-          <a:prstGeom prst="rect">
-            <a:avLst/>
-          </a:prstGeom>
-        </p:spPr>
-      </p:pic>
     </p:spTree>
     <p:extLst>
       <p:ext uri="{BB962C8B-B14F-4D97-AF65-F5344CB8AC3E}">
@@ -3109,7 +2964,7 @@
           <a:p>
             <a:fld id="{E4551058-E5DB-324A-A8E9-6D3BEF243C3B}" type="datetimeFigureOut">
               <a:rPr kumimoji="1" lang="zh-CN" altLang="en-US" smtClean="0"/>
-              <a:t>2022/6/5</a:t>
+              <a:t>2022/6/9</a:t>
             </a:fld>
             <a:endParaRPr kumimoji="1" lang="zh-CN" altLang="en-US"/>
           </a:p>
@@ -3179,7 +3034,7 @@
           <a:lstStyle/>
           <a:p>
             <a:r>
-              <a:rPr kumimoji="1" lang="zh-CN" altLang="en-US"/>
+              <a:rPr kumimoji="1" lang="zh-CN" altLang="en-US" dirty="0"/>
               <a:t>单击此处编辑母版标题样式</a:t>
             </a:r>
           </a:p>
@@ -3280,7 +3135,7 @@
           <a:p>
             <a:pPr lvl="0"/>
             <a:r>
-              <a:rPr lang="zh-CN" altLang="en-US"/>
+              <a:rPr lang="zh-CN" altLang="en-US" dirty="0"/>
               <a:t>单击此处编辑母版文本样式</a:t>
             </a:r>
           </a:p>
@@ -3410,7 +3265,7 @@
           <a:p>
             <a:pPr lvl="0"/>
             <a:r>
-              <a:rPr lang="zh-CN" altLang="en-US"/>
+              <a:rPr lang="zh-CN" altLang="en-US" dirty="0"/>
               <a:t>单击此处编辑母版文本样式</a:t>
             </a:r>
           </a:p>
@@ -3492,7 +3347,7 @@
           <a:p>
             <a:fld id="{E4551058-E5DB-324A-A8E9-6D3BEF243C3B}" type="datetimeFigureOut">
               <a:rPr kumimoji="1" lang="zh-CN" altLang="en-US" smtClean="0"/>
-              <a:t>2022/6/5</a:t>
+              <a:t>2022/6/9</a:t>
             </a:fld>
             <a:endParaRPr kumimoji="1" lang="zh-CN" altLang="en-US"/>
           </a:p>
@@ -3615,7 +3470,7 @@
           <a:p>
             <a:fld id="{E4551058-E5DB-324A-A8E9-6D3BEF243C3B}" type="datetimeFigureOut">
               <a:rPr kumimoji="1" lang="zh-CN" altLang="en-US" smtClean="0"/>
-              <a:t>2022/6/5</a:t>
+              <a:t>2022/6/9</a:t>
             </a:fld>
             <a:endParaRPr kumimoji="1" lang="zh-CN" altLang="en-US"/>
           </a:p>
@@ -3685,7 +3540,7 @@
           <a:lstStyle/>
           <a:p>
             <a:r>
-              <a:rPr kumimoji="1" lang="zh-CN" altLang="en-US"/>
+              <a:rPr kumimoji="1" lang="zh-CN" altLang="en-US" dirty="0"/>
               <a:t>单击此处编辑母版标题样式</a:t>
             </a:r>
           </a:p>
@@ -3738,7 +3593,7 @@
           <a:p>
             <a:fld id="{E4551058-E5DB-324A-A8E9-6D3BEF243C3B}" type="datetimeFigureOut">
               <a:rPr kumimoji="1" lang="zh-CN" altLang="en-US" smtClean="0"/>
-              <a:t>2022/6/5</a:t>
+              <a:t>2022/6/9</a:t>
             </a:fld>
             <a:endParaRPr kumimoji="1" lang="zh-CN" altLang="en-US"/>
           </a:p>
@@ -3949,10 +3804,10 @@
       </p:sp>
       <p:pic>
         <p:nvPicPr>
-          <p:cNvPr id="13" name="图片 12">
-            <a:extLst>
-              <a:ext uri="{FF2B5EF4-FFF2-40B4-BE49-F238E27FC236}">
-                <a16:creationId xmlns:a16="http://schemas.microsoft.com/office/drawing/2014/main" id="{FC278D8D-4BDA-514C-BBD8-4B99228D3B51}"/>
+          <p:cNvPr id="12" name="图片 11">
+            <a:extLst>
+              <a:ext uri="{FF2B5EF4-FFF2-40B4-BE49-F238E27FC236}">
+                <a16:creationId xmlns:a16="http://schemas.microsoft.com/office/drawing/2014/main" id="{CDDAB4A3-B3EF-6A4A-A3CA-230AFEAD99E0}"/>
               </a:ext>
             </a:extLst>
           </p:cNvPr>
@@ -3962,25 +3817,15 @@
           <p:nvPr userDrawn="1"/>
         </p:nvPicPr>
         <p:blipFill>
-          <a:blip r:embed="rId2">
-            <a:duotone>
-              <a:schemeClr val="bg2">
-                <a:shade val="45000"/>
-                <a:satMod val="135000"/>
-              </a:schemeClr>
-              <a:prstClr val="white"/>
-            </a:duotone>
-            <a:alphaModFix/>
-            <a:lum bright="100000"/>
-          </a:blip>
+          <a:blip r:embed="rId2"/>
           <a:stretch>
             <a:fillRect/>
           </a:stretch>
         </p:blipFill>
         <p:spPr>
           <a:xfrm>
-            <a:off x="10666843" y="5353675"/>
-            <a:ext cx="835423" cy="835423"/>
+            <a:off x="10632535" y="5261609"/>
+            <a:ext cx="1015763" cy="1019553"/>
           </a:xfrm>
           <a:prstGeom prst="rect">
             <a:avLst/>
@@ -4250,7 +4095,7 @@
           <a:p>
             <a:fld id="{E4551058-E5DB-324A-A8E9-6D3BEF243C3B}" type="datetimeFigureOut">
               <a:rPr kumimoji="1" lang="zh-CN" altLang="en-US" smtClean="0"/>
-              <a:t>2022/6/5</a:t>
+              <a:t>2022/6/9</a:t>
             </a:fld>
             <a:endParaRPr kumimoji="1" lang="zh-CN" altLang="en-US"/>
           </a:p>
@@ -4419,44 +4264,6 @@
       </p:sp>
       <p:sp>
         <p:nvSpPr>
-          <p:cNvPr id="7" name="标题占位符 6">
-            <a:extLst>
-              <a:ext uri="{FF2B5EF4-FFF2-40B4-BE49-F238E27FC236}">
-                <a16:creationId xmlns:a16="http://schemas.microsoft.com/office/drawing/2014/main" id="{386CB2C2-B0CA-6B4C-9D67-BC3A516A2E6A}"/>
-              </a:ext>
-            </a:extLst>
-          </p:cNvPr>
-          <p:cNvSpPr>
-            <a:spLocks noGrp="1"/>
-          </p:cNvSpPr>
-          <p:nvPr>
-            <p:ph type="title"/>
-          </p:nvPr>
-        </p:nvSpPr>
-        <p:spPr>
-          <a:xfrm>
-            <a:off x="581192" y="434928"/>
-            <a:ext cx="10119381" cy="1015200"/>
-          </a:xfrm>
-          <a:prstGeom prst="rect">
-            <a:avLst/>
-          </a:prstGeom>
-        </p:spPr>
-        <p:txBody>
-          <a:bodyPr vert="horz" lIns="91440" tIns="45720" rIns="91440" bIns="45720" rtlCol="0" anchor="ctr">
-            <a:normAutofit/>
-          </a:bodyPr>
-          <a:lstStyle/>
-          <a:p>
-            <a:r>
-              <a:rPr kumimoji="1" lang="zh-CN" altLang="en-US" dirty="0"/>
-              <a:t>单击此处编辑母版标题样式</a:t>
-            </a:r>
-          </a:p>
-        </p:txBody>
-      </p:sp>
-      <p:sp>
-        <p:nvSpPr>
           <p:cNvPr id="12" name="Rectangle 8">
             <a:extLst>
               <a:ext uri="{FF2B5EF4-FFF2-40B4-BE49-F238E27FC236}">
@@ -4636,7 +4443,7 @@
           <a:p>
             <a:fld id="{E4551058-E5DB-324A-A8E9-6D3BEF243C3B}" type="datetimeFigureOut">
               <a:rPr kumimoji="1" lang="zh-CN" altLang="en-US" smtClean="0"/>
-              <a:t>2022/6/5</a:t>
+              <a:t>2022/6/9</a:t>
             </a:fld>
             <a:endParaRPr kumimoji="1" lang="zh-CN" altLang="en-US"/>
           </a:p>
@@ -4718,10 +4525,10 @@
       </p:sp>
       <p:pic>
         <p:nvPicPr>
-          <p:cNvPr id="14" name="图片 13">
-            <a:extLst>
-              <a:ext uri="{FF2B5EF4-FFF2-40B4-BE49-F238E27FC236}">
-                <a16:creationId xmlns:a16="http://schemas.microsoft.com/office/drawing/2014/main" id="{4D451767-2F75-4E41-AC6B-6A5B92D938AD}"/>
+          <p:cNvPr id="8" name="图片 7">
+            <a:extLst>
+              <a:ext uri="{FF2B5EF4-FFF2-40B4-BE49-F238E27FC236}">
+                <a16:creationId xmlns:a16="http://schemas.microsoft.com/office/drawing/2014/main" id="{500B6F71-D332-634E-81E3-CCEA8339BAE7}"/>
               </a:ext>
             </a:extLst>
           </p:cNvPr>
@@ -4731,31 +4538,59 @@
           <p:nvPr userDrawn="1"/>
         </p:nvPicPr>
         <p:blipFill>
-          <a:blip r:embed="rId14">
-            <a:duotone>
-              <a:schemeClr val="bg2">
-                <a:shade val="45000"/>
-                <a:satMod val="135000"/>
-              </a:schemeClr>
-              <a:prstClr val="white"/>
-            </a:duotone>
-            <a:alphaModFix/>
-            <a:lum bright="100000"/>
-          </a:blip>
+          <a:blip r:embed="rId14"/>
           <a:stretch>
             <a:fillRect/>
           </a:stretch>
         </p:blipFill>
         <p:spPr>
           <a:xfrm>
-            <a:off x="10700573" y="524817"/>
-            <a:ext cx="835423" cy="835423"/>
+            <a:off x="10700573" y="432751"/>
+            <a:ext cx="1015763" cy="1019553"/>
           </a:xfrm>
           <a:prstGeom prst="rect">
             <a:avLst/>
           </a:prstGeom>
         </p:spPr>
       </p:pic>
+      <p:sp>
+        <p:nvSpPr>
+          <p:cNvPr id="7" name="标题占位符 6">
+            <a:extLst>
+              <a:ext uri="{FF2B5EF4-FFF2-40B4-BE49-F238E27FC236}">
+                <a16:creationId xmlns:a16="http://schemas.microsoft.com/office/drawing/2014/main" id="{386CB2C2-B0CA-6B4C-9D67-BC3A516A2E6A}"/>
+              </a:ext>
+            </a:extLst>
+          </p:cNvPr>
+          <p:cNvSpPr>
+            <a:spLocks noGrp="1"/>
+          </p:cNvSpPr>
+          <p:nvPr>
+            <p:ph type="title"/>
+          </p:nvPr>
+        </p:nvSpPr>
+        <p:spPr>
+          <a:xfrm>
+            <a:off x="581192" y="434928"/>
+            <a:ext cx="10119381" cy="1015200"/>
+          </a:xfrm>
+          <a:prstGeom prst="rect">
+            <a:avLst/>
+          </a:prstGeom>
+        </p:spPr>
+        <p:txBody>
+          <a:bodyPr vert="horz" lIns="91440" tIns="45720" rIns="91440" bIns="45720" rtlCol="0" anchor="ctr">
+            <a:normAutofit/>
+          </a:bodyPr>
+          <a:lstStyle/>
+          <a:p>
+            <a:r>
+              <a:rPr kumimoji="1" lang="zh-CN" altLang="en-US" dirty="0"/>
+              <a:t>单击此处编辑母版标题样式</a:t>
+            </a:r>
+          </a:p>
+        </p:txBody>
+      </p:sp>
     </p:spTree>
     <p:extLst>
       <p:ext uri="{BB962C8B-B14F-4D97-AF65-F5344CB8AC3E}">
@@ -4785,7 +4620,7 @@
           <a:spcPct val="0"/>
         </a:spcBef>
         <a:buNone/>
-        <a:defRPr sz="2800" b="0" kern="1200" cap="all">
+        <a:defRPr sz="2800" b="0" kern="1200" cap="none" baseline="0">
           <a:solidFill>
             <a:schemeClr val="bg1"/>
           </a:solidFill>
@@ -5474,6 +5309,54 @@
             <a:endParaRPr kumimoji="1" lang="en-US" altLang="zh-CN" dirty="0"/>
           </a:p>
           <a:p>
+            <a:r>
+              <a:rPr kumimoji="1" lang="zh-CN" altLang="en-US" dirty="0"/>
+              <a:t>这个</a:t>
+            </a:r>
+            <a:r>
+              <a:rPr kumimoji="1" lang="en-US" altLang="zh-CN" dirty="0"/>
+              <a:t>PPT</a:t>
+            </a:r>
+            <a:r>
+              <a:rPr kumimoji="1" lang="zh-CN" altLang="en-US" dirty="0"/>
+              <a:t>模板来自：</a:t>
+            </a:r>
+            <a:r>
+              <a:rPr kumimoji="1" lang="en-US" altLang="zh-CN" dirty="0">
+                <a:hlinkClick r:id="rId2"/>
+              </a:rPr>
+              <a:t>https://github.com/atomiechen/THU-PPT-Theme</a:t>
+            </a:r>
+            <a:endParaRPr kumimoji="1" lang="en-US" altLang="zh-CN" dirty="0"/>
+          </a:p>
+          <a:p>
+            <a:pPr lvl="1"/>
+            <a:r>
+              <a:rPr kumimoji="1" lang="zh-CN" altLang="en-US" dirty="0"/>
+              <a:t>如果大家喜欢，欢迎给我</a:t>
+            </a:r>
+            <a:r>
+              <a:rPr kumimoji="1" lang="en-US" altLang="zh-CN" dirty="0"/>
+              <a:t>star</a:t>
+            </a:r>
+            <a:r>
+              <a:rPr kumimoji="1" lang="zh-CN" altLang="en-US" dirty="0"/>
+              <a:t>，也欢迎</a:t>
+            </a:r>
+            <a:r>
+              <a:rPr kumimoji="1" lang="en-US" altLang="zh-CN" dirty="0"/>
+              <a:t>PR</a:t>
+            </a:r>
+            <a:r>
+              <a:rPr kumimoji="1" lang="zh-CN" altLang="en-US" dirty="0"/>
+              <a:t>贡献更多变体！</a:t>
+            </a:r>
+            <a:endParaRPr kumimoji="1" lang="en-US" altLang="zh-CN" dirty="0"/>
+          </a:p>
+          <a:p>
+            <a:endParaRPr kumimoji="1" lang="en-US" altLang="zh-CN" dirty="0"/>
+          </a:p>
+          <a:p>
             <a:endParaRPr kumimoji="1" lang="zh-CN" altLang="en-US" dirty="0"/>
           </a:p>
         </p:txBody>
@@ -5541,7 +5424,7 @@
           <p:cNvPr id="2" name="文本占位符 1">
             <a:extLst>
               <a:ext uri="{FF2B5EF4-FFF2-40B4-BE49-F238E27FC236}">
-                <a16:creationId xmlns:a16="http://schemas.microsoft.com/office/drawing/2014/main" id="{54EBCB47-E079-8145-ACD0-A7E22DA14EF1}"/>
+                <a16:creationId xmlns:a16="http://schemas.microsoft.com/office/drawing/2014/main" id="{1A46540E-29F9-A549-A38D-317804E6E3FF}"/>
               </a:ext>
             </a:extLst>
           </p:cNvPr>
@@ -5570,7 +5453,7 @@
           <p:cNvPr id="3" name="内容占位符 2">
             <a:extLst>
               <a:ext uri="{FF2B5EF4-FFF2-40B4-BE49-F238E27FC236}">
-                <a16:creationId xmlns:a16="http://schemas.microsoft.com/office/drawing/2014/main" id="{5AA4184C-CC2D-694B-9F25-182F7D3C3CBE}"/>
+                <a16:creationId xmlns:a16="http://schemas.microsoft.com/office/drawing/2014/main" id="{352E9DD6-0E53-A743-8DFD-3A7D6FE8A5FF}"/>
               </a:ext>
             </a:extLst>
           </p:cNvPr>
@@ -5611,8 +5494,21 @@
               <a:rPr kumimoji="1" lang="zh-CN" altLang="en-US" dirty="0"/>
               <a:t>更多页面款式供你选！</a:t>
             </a:r>
-          </a:p>
-          <a:p>
+            <a:endParaRPr kumimoji="1" lang="en-US" altLang="zh-CN" dirty="0"/>
+          </a:p>
+          <a:p>
+            <a:r>
+              <a:rPr kumimoji="1" lang="en-US" altLang="zh-CN" dirty="0">
+                <a:hlinkClick r:id="rId2"/>
+              </a:rPr>
+              <a:t>https://github.com/atomiechen/THU-PPT-Theme</a:t>
+            </a:r>
+            <a:endParaRPr kumimoji="1" lang="en-US" altLang="zh-CN" dirty="0"/>
+          </a:p>
+          <a:p>
+            <a:pPr marL="0" indent="0">
+              <a:buNone/>
+            </a:pPr>
             <a:endParaRPr kumimoji="1" lang="zh-CN" altLang="en-US" dirty="0"/>
           </a:p>
         </p:txBody>
@@ -5622,7 +5518,7 @@
           <p:cNvPr id="4" name="文本占位符 3">
             <a:extLst>
               <a:ext uri="{FF2B5EF4-FFF2-40B4-BE49-F238E27FC236}">
-                <a16:creationId xmlns:a16="http://schemas.microsoft.com/office/drawing/2014/main" id="{E1F4BA5D-7260-7C42-9521-BC1650AE8C71}"/>
+                <a16:creationId xmlns:a16="http://schemas.microsoft.com/office/drawing/2014/main" id="{7C945FE0-91DB-0041-B7D3-AB30008B5069}"/>
               </a:ext>
             </a:extLst>
           </p:cNvPr>
@@ -5651,7 +5547,7 @@
           <p:cNvPr id="5" name="内容占位符 4">
             <a:extLst>
               <a:ext uri="{FF2B5EF4-FFF2-40B4-BE49-F238E27FC236}">
-                <a16:creationId xmlns:a16="http://schemas.microsoft.com/office/drawing/2014/main" id="{BC24247E-BDFE-4545-BC58-B2351CD1E6E3}"/>
+                <a16:creationId xmlns:a16="http://schemas.microsoft.com/office/drawing/2014/main" id="{656C3731-7878-F147-A7A6-FBA9C78EB458}"/>
               </a:ext>
             </a:extLst>
           </p:cNvPr>
@@ -5729,7 +5625,23 @@
             <a:endParaRPr kumimoji="1" lang="en" altLang="zh-CN" dirty="0"/>
           </a:p>
           <a:p>
-            <a:endParaRPr kumimoji="1" lang="zh-CN" altLang="en-US" dirty="0"/>
+            <a:r>
+              <a:rPr kumimoji="1" lang="zh-CN" altLang="en" dirty="0"/>
+              <a:t>链接</a:t>
+            </a:r>
+            <a:r>
+              <a:rPr kumimoji="1" lang="zh-CN" altLang="en-US" dirty="0"/>
+              <a:t>点开之后颜色会有变化（欢迎</a:t>
+            </a:r>
+            <a:r>
+              <a:rPr kumimoji="1" lang="en-US" altLang="zh-CN" dirty="0"/>
+              <a:t>star</a:t>
+            </a:r>
+            <a:r>
+              <a:rPr kumimoji="1" lang="zh-CN" altLang="en-US" dirty="0"/>
+              <a:t>）</a:t>
+            </a:r>
+            <a:endParaRPr kumimoji="1" lang="en-US" altLang="zh-CN" dirty="0"/>
           </a:p>
         </p:txBody>
       </p:sp>
@@ -5738,7 +5650,7 @@
           <p:cNvPr id="6" name="标题 5">
             <a:extLst>
               <a:ext uri="{FF2B5EF4-FFF2-40B4-BE49-F238E27FC236}">
-                <a16:creationId xmlns:a16="http://schemas.microsoft.com/office/drawing/2014/main" id="{749DA121-AAE1-8447-8DF5-6C89DB3D3284}"/>
+                <a16:creationId xmlns:a16="http://schemas.microsoft.com/office/drawing/2014/main" id="{93A8CDA6-5FD1-8A46-B35A-19DAB5A1E937}"/>
               </a:ext>
             </a:extLst>
           </p:cNvPr>
@@ -5764,7 +5676,7 @@
     </p:spTree>
     <p:extLst>
       <p:ext uri="{BB962C8B-B14F-4D97-AF65-F5344CB8AC3E}">
-        <p14:creationId xmlns:p14="http://schemas.microsoft.com/office/powerpoint/2010/main" val="3232222854"/>
+        <p14:creationId xmlns:p14="http://schemas.microsoft.com/office/powerpoint/2010/main" val="580109032"/>
       </p:ext>
     </p:extLst>
   </p:cSld>
@@ -5796,7 +5708,7 @@
           <p:cNvPr id="2" name="标题 1">
             <a:extLst>
               <a:ext uri="{FF2B5EF4-FFF2-40B4-BE49-F238E27FC236}">
-                <a16:creationId xmlns:a16="http://schemas.microsoft.com/office/drawing/2014/main" id="{8FD0B13F-42D2-8A44-A2CA-732B1A987CC5}"/>
+                <a16:creationId xmlns:a16="http://schemas.microsoft.com/office/drawing/2014/main" id="{ABDBE672-1080-B54D-82EF-1CF890951E65}"/>
               </a:ext>
             </a:extLst>
           </p:cNvPr>
@@ -5824,7 +5736,7 @@
           <p:cNvPr id="4" name="文本占位符 3">
             <a:extLst>
               <a:ext uri="{FF2B5EF4-FFF2-40B4-BE49-F238E27FC236}">
-                <a16:creationId xmlns:a16="http://schemas.microsoft.com/office/drawing/2014/main" id="{7FBCEC49-30FC-484A-B809-CD53E899BE66}"/>
+                <a16:creationId xmlns:a16="http://schemas.microsoft.com/office/drawing/2014/main" id="{FC903109-AD02-8241-8FBF-60B251514527}"/>
               </a:ext>
             </a:extLst>
           </p:cNvPr>
@@ -5849,10 +5761,10 @@
       </p:sp>
       <p:pic>
         <p:nvPicPr>
-          <p:cNvPr id="3" name="图片 2">
-            <a:extLst>
-              <a:ext uri="{FF2B5EF4-FFF2-40B4-BE49-F238E27FC236}">
-                <a16:creationId xmlns:a16="http://schemas.microsoft.com/office/drawing/2014/main" id="{85DAA259-EDB5-AD42-AA89-A60BA785141D}"/>
+          <p:cNvPr id="5" name="图片 4">
+            <a:extLst>
+              <a:ext uri="{FF2B5EF4-FFF2-40B4-BE49-F238E27FC236}">
+                <a16:creationId xmlns:a16="http://schemas.microsoft.com/office/drawing/2014/main" id="{184325CE-E5C3-C344-9926-C82890B49856}"/>
               </a:ext>
             </a:extLst>
           </p:cNvPr>
@@ -5862,26 +5774,15 @@
           <p:nvPr/>
         </p:nvPicPr>
         <p:blipFill>
-          <a:blip r:embed="rId3">
-            <a:clrChange>
-              <a:clrFrom>
-                <a:srgbClr val="ECECEC"/>
-              </a:clrFrom>
-              <a:clrTo>
-                <a:srgbClr val="ECECEC">
-                  <a:alpha val="0"/>
-                </a:srgbClr>
-              </a:clrTo>
-            </a:clrChange>
-          </a:blip>
+          <a:blip r:embed="rId2"/>
           <a:stretch>
             <a:fillRect/>
           </a:stretch>
         </p:blipFill>
         <p:spPr>
           <a:xfrm>
-            <a:off x="2213527" y="887619"/>
-            <a:ext cx="7764946" cy="3626837"/>
+            <a:off x="2116401" y="839070"/>
+            <a:ext cx="7959197" cy="3732929"/>
           </a:xfrm>
           <a:prstGeom prst="rect">
             <a:avLst/>
@@ -5891,7 +5792,7 @@
     </p:spTree>
     <p:extLst>
       <p:ext uri="{BB962C8B-B14F-4D97-AF65-F5344CB8AC3E}">
-        <p14:creationId xmlns:p14="http://schemas.microsoft.com/office/powerpoint/2010/main" val="1342211502"/>
+        <p14:creationId xmlns:p14="http://schemas.microsoft.com/office/powerpoint/2010/main" val="3354285321"/>
       </p:ext>
     </p:extLst>
   </p:cSld>
@@ -5923,7 +5824,7 @@
           <p:cNvPr id="2" name="标题 1">
             <a:extLst>
               <a:ext uri="{FF2B5EF4-FFF2-40B4-BE49-F238E27FC236}">
-                <a16:creationId xmlns:a16="http://schemas.microsoft.com/office/drawing/2014/main" id="{73C4BB7B-3953-EC47-A0EB-2FE48D54AF5C}"/>
+                <a16:creationId xmlns:a16="http://schemas.microsoft.com/office/drawing/2014/main" id="{4AD42ED0-E53D-464A-A6FF-FEC32B166655}"/>
               </a:ext>
             </a:extLst>
           </p:cNvPr>
@@ -5951,7 +5852,7 @@
           <p:cNvPr id="3" name="文本占位符 2">
             <a:extLst>
               <a:ext uri="{FF2B5EF4-FFF2-40B4-BE49-F238E27FC236}">
-                <a16:creationId xmlns:a16="http://schemas.microsoft.com/office/drawing/2014/main" id="{00756719-6C6D-A144-880F-C329C26FBBE3}"/>
+                <a16:creationId xmlns:a16="http://schemas.microsoft.com/office/drawing/2014/main" id="{4C69A6F2-94C2-894C-ABA5-EE92E6967FD1}"/>
               </a:ext>
             </a:extLst>
           </p:cNvPr>
@@ -5982,7 +5883,7 @@
     </p:spTree>
     <p:extLst>
       <p:ext uri="{BB962C8B-B14F-4D97-AF65-F5344CB8AC3E}">
-        <p14:creationId xmlns:p14="http://schemas.microsoft.com/office/powerpoint/2010/main" val="1526157881"/>
+        <p14:creationId xmlns:p14="http://schemas.microsoft.com/office/powerpoint/2010/main" val="3401415559"/>
       </p:ext>
     </p:extLst>
   </p:cSld>
@@ -6011,18 +5912,18 @@
       </p:grpSpPr>
       <p:sp>
         <p:nvSpPr>
-          <p:cNvPr id="2" name="竖排标题 1">
-            <a:extLst>
-              <a:ext uri="{FF2B5EF4-FFF2-40B4-BE49-F238E27FC236}">
-                <a16:creationId xmlns:a16="http://schemas.microsoft.com/office/drawing/2014/main" id="{731E0E24-E099-8B4F-8CA2-04B828D790EF}"/>
-              </a:ext>
-            </a:extLst>
-          </p:cNvPr>
-          <p:cNvSpPr>
-            <a:spLocks noGrp="1"/>
-          </p:cNvSpPr>
-          <p:nvPr>
-            <p:ph type="title" orient="vert"/>
+          <p:cNvPr id="2" name="竖排文字占位符 1">
+            <a:extLst>
+              <a:ext uri="{FF2B5EF4-FFF2-40B4-BE49-F238E27FC236}">
+                <a16:creationId xmlns:a16="http://schemas.microsoft.com/office/drawing/2014/main" id="{7EAAC20F-1AC2-F040-B83D-94980F934B29}"/>
+              </a:ext>
+            </a:extLst>
+          </p:cNvPr>
+          <p:cNvSpPr>
+            <a:spLocks noGrp="1"/>
+          </p:cNvSpPr>
+          <p:nvPr>
+            <p:ph type="body" orient="vert" idx="1"/>
           </p:nvPr>
         </p:nvSpPr>
         <p:spPr/>
@@ -6032,25 +5933,35 @@
           <a:p>
             <a:r>
               <a:rPr kumimoji="1" lang="zh-CN" altLang="en-US" dirty="0"/>
-              <a:t>竖排文本</a:t>
-            </a:r>
-          </a:p>
-        </p:txBody>
-      </p:sp>
-      <p:sp>
-        <p:nvSpPr>
-          <p:cNvPr id="3" name="竖排文字占位符 2">
-            <a:extLst>
-              <a:ext uri="{FF2B5EF4-FFF2-40B4-BE49-F238E27FC236}">
-                <a16:creationId xmlns:a16="http://schemas.microsoft.com/office/drawing/2014/main" id="{FB2F21B7-6DD4-2240-86E2-0461F60906A5}"/>
-              </a:ext>
-            </a:extLst>
-          </p:cNvPr>
-          <p:cNvSpPr>
-            <a:spLocks noGrp="1"/>
-          </p:cNvSpPr>
-          <p:nvPr>
-            <p:ph type="body" orient="vert" idx="1"/>
+              <a:t>这里还可以写一些竖排文本，效果大概是这样的</a:t>
+            </a:r>
+            <a:endParaRPr kumimoji="1" lang="en-US" altLang="zh-CN" dirty="0"/>
+          </a:p>
+          <a:p>
+            <a:r>
+              <a:rPr kumimoji="1" lang="zh-CN" altLang="en-US" dirty="0"/>
+              <a:t>扫地机科学与技术</a:t>
+            </a:r>
+          </a:p>
+          <a:p>
+            <a:endParaRPr kumimoji="1" lang="zh-CN" altLang="en-US" dirty="0"/>
+          </a:p>
+        </p:txBody>
+      </p:sp>
+      <p:sp>
+        <p:nvSpPr>
+          <p:cNvPr id="3" name="竖排标题 2">
+            <a:extLst>
+              <a:ext uri="{FF2B5EF4-FFF2-40B4-BE49-F238E27FC236}">
+                <a16:creationId xmlns:a16="http://schemas.microsoft.com/office/drawing/2014/main" id="{AC5B918E-E9EE-4045-A8F1-CABD071154FC}"/>
+              </a:ext>
+            </a:extLst>
+          </p:cNvPr>
+          <p:cNvSpPr>
+            <a:spLocks noGrp="1"/>
+          </p:cNvSpPr>
+          <p:nvPr>
+            <p:ph type="title" orient="vert"/>
           </p:nvPr>
         </p:nvSpPr>
         <p:spPr/>
@@ -6060,14 +5971,7 @@
           <a:p>
             <a:r>
               <a:rPr kumimoji="1" lang="zh-CN" altLang="en-US" dirty="0"/>
-              <a:t>这里还可以写一些竖排文本，效果大概是这样的</a:t>
-            </a:r>
-            <a:endParaRPr kumimoji="1" lang="en-US" altLang="zh-CN" dirty="0"/>
-          </a:p>
-          <a:p>
-            <a:r>
-              <a:rPr kumimoji="1" lang="zh-CN" altLang="en-US" dirty="0"/>
-              <a:t>扫地机科学与技术</a:t>
+              <a:t>竖排文本</a:t>
             </a:r>
           </a:p>
         </p:txBody>
@@ -6075,7 +5979,7 @@
     </p:spTree>
     <p:extLst>
       <p:ext uri="{BB962C8B-B14F-4D97-AF65-F5344CB8AC3E}">
-        <p14:creationId xmlns:p14="http://schemas.microsoft.com/office/powerpoint/2010/main" val="2325070039"/>
+        <p14:creationId xmlns:p14="http://schemas.microsoft.com/office/powerpoint/2010/main" val="983356272"/>
       </p:ext>
     </p:extLst>
   </p:cSld>
@@ -6201,7 +6105,7 @@
 <file path=ppt/theme/theme1.xml><?xml version="1.0" encoding="utf-8"?>
 <a:theme xmlns:a="http://schemas.openxmlformats.org/drawingml/2006/main" name="清华简约主题-留边-16:9">
   <a:themeElements>
-    <a:clrScheme name="自定义 4">
+    <a:clrScheme name="清华紫主题">
       <a:dk1>
         <a:srgbClr val="000000"/>
       </a:dk1>
@@ -6215,10 +6119,10 @@
         <a:srgbClr val="EBEBEB"/>
       </a:lt2>
       <a:accent1>
-        <a:srgbClr val="5C2F7D"/>
+        <a:srgbClr val="660874"/>
       </a:accent1>
       <a:accent2>
-        <a:srgbClr val="5C2F7D"/>
+        <a:srgbClr val="660874"/>
       </a:accent2>
       <a:accent3>
         <a:srgbClr val="E6C46D"/>
@@ -6233,10 +6137,10 @@
         <a:srgbClr val="5A8071"/>
       </a:accent6>
       <a:hlink>
-        <a:srgbClr val="828282"/>
+        <a:srgbClr val="007698"/>
       </a:hlink>
       <a:folHlink>
-        <a:srgbClr val="A5A5A5"/>
+        <a:srgbClr val="43064C"/>
       </a:folHlink>
     </a:clrScheme>
     <a:fontScheme name="红利">
